--- a/courses/su/cs211/files/lecture_06.pptx
+++ b/courses/su/cs211/files/lecture_06.pptx
@@ -16703,7 +16703,23 @@
             <a:pPr lvl="1"/>
             <a:r>
               <a:rPr lang="en-US" dirty="0"/>
-              <a:t>Scope: Chapters 2 and 3 (Lectures 1,2,3,4,5, and half-of-6).</a:t>
+              <a:t>Scope: Chapters 2 and 3 (Lectures </a:t>
+            </a:r>
+            <a:r>
+              <a:rPr lang="en-US"/>
+              <a:t>1, 2, 3, 4, 5</a:t>
+            </a:r>
+            <a:r>
+              <a:rPr lang="en-US" dirty="0"/>
+              <a:t>, </a:t>
+            </a:r>
+            <a:r>
+              <a:rPr lang="en-US"/>
+              <a:t>and first part of 6</a:t>
+            </a:r>
+            <a:r>
+              <a:rPr lang="en-US" dirty="0"/>
+              <a:t>).</a:t>
             </a:r>
           </a:p>
         </p:txBody>
@@ -29813,13 +29829,7 @@
                       <a:rPr lang="en-US" i="1" dirty="0" smtClean="0">
                         <a:latin typeface="Cambria Math" panose="02040503050406030204" pitchFamily="18" charset="0"/>
                       </a:rPr>
-                      <m:t>=</m:t>
-                    </m:r>
-                    <m:r>
-                      <a:rPr lang="en-US" i="1" dirty="0" smtClean="0">
-                        <a:latin typeface="Cambria Math" panose="02040503050406030204" pitchFamily="18" charset="0"/>
-                      </a:rPr>
-                      <m:t>3</m:t>
+                      <m:t>=3</m:t>
                     </m:r>
                   </m:oMath>
                 </a14:m>
@@ -29882,14 +29892,7 @@
                         <a:latin typeface="Cambria Math" panose="02040503050406030204" pitchFamily="18" charset="0"/>
                         <a:sym typeface="Wingdings" panose="05000000000000000000" pitchFamily="2" charset="2"/>
                       </a:rPr>
-                      <m:t>=</m:t>
-                    </m:r>
-                    <m:r>
-                      <a:rPr lang="en-US" b="0" i="1" dirty="0" smtClean="0">
-                        <a:latin typeface="Cambria Math" panose="02040503050406030204" pitchFamily="18" charset="0"/>
-                        <a:sym typeface="Wingdings" panose="05000000000000000000" pitchFamily="2" charset="2"/>
-                      </a:rPr>
-                      <m:t>8</m:t>
+                      <m:t>=8</m:t>
                     </m:r>
                   </m:oMath>
                 </a14:m>
